--- a/Database Local, User Class Model.pptx
+++ b/Database Local, User Class Model.pptx
@@ -104,6 +104,11 @@
       </a:defRPr>
     </a:lvl9pPr>
   </p:defaultTextStyle>
+  <p:extLst>
+    <p:ext uri="{EFAFB233-063F-42B5-8137-9DF3F51BA10A}">
+      <p15:sldGuideLst xmlns:p15="http://schemas.microsoft.com/office/powerpoint/2012/main"/>
+    </p:ext>
+  </p:extLst>
 </p:presentation>
 </file>
 
@@ -254,7 +259,7 @@
           <a:p>
             <a:fld id="{8AE7AAD7-AD2E-42B2-9764-A9DC29438F9A}" type="datetimeFigureOut">
               <a:rPr lang="id-ID" smtClean="0"/>
-              <a:t>05/11/2022</a:t>
+              <a:t>06/11/2022</a:t>
             </a:fld>
             <a:endParaRPr lang="id-ID"/>
           </a:p>
@@ -452,7 +457,7 @@
           <a:p>
             <a:fld id="{8AE7AAD7-AD2E-42B2-9764-A9DC29438F9A}" type="datetimeFigureOut">
               <a:rPr lang="id-ID" smtClean="0"/>
-              <a:t>05/11/2022</a:t>
+              <a:t>06/11/2022</a:t>
             </a:fld>
             <a:endParaRPr lang="id-ID"/>
           </a:p>
@@ -660,7 +665,7 @@
           <a:p>
             <a:fld id="{8AE7AAD7-AD2E-42B2-9764-A9DC29438F9A}" type="datetimeFigureOut">
               <a:rPr lang="id-ID" smtClean="0"/>
-              <a:t>05/11/2022</a:t>
+              <a:t>06/11/2022</a:t>
             </a:fld>
             <a:endParaRPr lang="id-ID"/>
           </a:p>
@@ -858,7 +863,7 @@
           <a:p>
             <a:fld id="{8AE7AAD7-AD2E-42B2-9764-A9DC29438F9A}" type="datetimeFigureOut">
               <a:rPr lang="id-ID" smtClean="0"/>
-              <a:t>05/11/2022</a:t>
+              <a:t>06/11/2022</a:t>
             </a:fld>
             <a:endParaRPr lang="id-ID"/>
           </a:p>
@@ -1133,7 +1138,7 @@
           <a:p>
             <a:fld id="{8AE7AAD7-AD2E-42B2-9764-A9DC29438F9A}" type="datetimeFigureOut">
               <a:rPr lang="id-ID" smtClean="0"/>
-              <a:t>05/11/2022</a:t>
+              <a:t>06/11/2022</a:t>
             </a:fld>
             <a:endParaRPr lang="id-ID"/>
           </a:p>
@@ -1398,7 +1403,7 @@
           <a:p>
             <a:fld id="{8AE7AAD7-AD2E-42B2-9764-A9DC29438F9A}" type="datetimeFigureOut">
               <a:rPr lang="id-ID" smtClean="0"/>
-              <a:t>05/11/2022</a:t>
+              <a:t>06/11/2022</a:t>
             </a:fld>
             <a:endParaRPr lang="id-ID"/>
           </a:p>
@@ -1810,7 +1815,7 @@
           <a:p>
             <a:fld id="{8AE7AAD7-AD2E-42B2-9764-A9DC29438F9A}" type="datetimeFigureOut">
               <a:rPr lang="id-ID" smtClean="0"/>
-              <a:t>05/11/2022</a:t>
+              <a:t>06/11/2022</a:t>
             </a:fld>
             <a:endParaRPr lang="id-ID"/>
           </a:p>
@@ -1951,7 +1956,7 @@
           <a:p>
             <a:fld id="{8AE7AAD7-AD2E-42B2-9764-A9DC29438F9A}" type="datetimeFigureOut">
               <a:rPr lang="id-ID" smtClean="0"/>
-              <a:t>05/11/2022</a:t>
+              <a:t>06/11/2022</a:t>
             </a:fld>
             <a:endParaRPr lang="id-ID"/>
           </a:p>
@@ -2064,7 +2069,7 @@
           <a:p>
             <a:fld id="{8AE7AAD7-AD2E-42B2-9764-A9DC29438F9A}" type="datetimeFigureOut">
               <a:rPr lang="id-ID" smtClean="0"/>
-              <a:t>05/11/2022</a:t>
+              <a:t>06/11/2022</a:t>
             </a:fld>
             <a:endParaRPr lang="id-ID"/>
           </a:p>
@@ -2375,7 +2380,7 @@
           <a:p>
             <a:fld id="{8AE7AAD7-AD2E-42B2-9764-A9DC29438F9A}" type="datetimeFigureOut">
               <a:rPr lang="id-ID" smtClean="0"/>
-              <a:t>05/11/2022</a:t>
+              <a:t>06/11/2022</a:t>
             </a:fld>
             <a:endParaRPr lang="id-ID"/>
           </a:p>
@@ -2663,7 +2668,7 @@
           <a:p>
             <a:fld id="{8AE7AAD7-AD2E-42B2-9764-A9DC29438F9A}" type="datetimeFigureOut">
               <a:rPr lang="id-ID" smtClean="0"/>
-              <a:t>05/11/2022</a:t>
+              <a:t>06/11/2022</a:t>
             </a:fld>
             <a:endParaRPr lang="id-ID"/>
           </a:p>
@@ -2904,7 +2909,7 @@
           <a:p>
             <a:fld id="{8AE7AAD7-AD2E-42B2-9764-A9DC29438F9A}" type="datetimeFigureOut">
               <a:rPr lang="id-ID" smtClean="0"/>
-              <a:t>05/11/2022</a:t>
+              <a:t>06/11/2022</a:t>
             </a:fld>
             <a:endParaRPr lang="id-ID"/>
           </a:p>
@@ -3344,7 +3349,9 @@
           </a:xfrm>
         </p:spPr>
         <p:txBody>
-          <a:bodyPr/>
+          <a:bodyPr>
+            <a:normAutofit/>
+          </a:bodyPr>
           <a:lstStyle/>
           <a:p>
             <a:r>
@@ -3371,9 +3378,12 @@
             <a:br>
               <a:rPr lang="en-US"/>
             </a:br>
-            <a:br>
-              <a:rPr lang="en-US" dirty="0"/>
-            </a:br>
+            <a:r>
+              <a:rPr lang="en-US">
+                <a:hlinkClick r:id="rId4"/>
+              </a:rPr>
+              <a:t>Video</a:t>
+            </a:r>
             <a:endParaRPr lang="id-ID" dirty="0"/>
           </a:p>
         </p:txBody>
